--- a/docs/Conduit_prez.pptx
+++ b/docs/Conduit_prez.pptx
@@ -7255,8 +7255,8 @@
         </p:nvSpPr>
         <p:spPr>
           <a:xfrm>
-            <a:off x="4419136" y="1020871"/>
-            <a:ext cx="6960759" cy="2849671"/>
+            <a:off x="4419137" y="1803633"/>
+            <a:ext cx="6960759" cy="2730172"/>
           </a:xfrm>
         </p:spPr>
         <p:txBody>
@@ -7265,7 +7265,7 @@
           </a:bodyPr>
           <a:lstStyle/>
           <a:p>
-            <a:pPr algn="ctr"/>
+            <a:pPr algn="l"/>
             <a:r>
               <a:rPr lang="hu-HU" sz="6000" dirty="0" smtClean="0">
                 <a:solidFill>
@@ -7315,7 +7315,7 @@
         </p:nvSpPr>
         <p:spPr>
           <a:xfrm>
-            <a:off x="4548104" y="3962088"/>
+            <a:off x="4843476" y="4771217"/>
             <a:ext cx="6112077" cy="1186108"/>
           </a:xfrm>
         </p:spPr>
@@ -7337,7 +7337,7 @@
           <a:p>
             <a:pPr rtl="0"/>
             <a:r>
-              <a:rPr lang="hu-HU" sz="2500" dirty="0" smtClean="0">
+              <a:rPr lang="hu-HU" sz="2500" b="1" dirty="0" smtClean="0">
                 <a:solidFill>
                   <a:schemeClr val="bg1">
                     <a:lumMod val="95000"/>
@@ -7352,7 +7352,7 @@
           <a:p>
             <a:pPr rtl="0"/>
             <a:r>
-              <a:rPr lang="hu-HU" sz="2500" dirty="0" smtClean="0">
+              <a:rPr lang="hu-HU" sz="2500" b="1" dirty="0" smtClean="0">
                 <a:solidFill>
                   <a:schemeClr val="bg1">
                     <a:lumMod val="95000"/>
@@ -7363,7 +7363,7 @@
               </a:rPr>
               <a:t>kissnesimkojudit@gmail.com</a:t>
             </a:r>
-            <a:endParaRPr lang="hu-HU" sz="2500" dirty="0">
+            <a:endParaRPr lang="hu-HU" sz="2500" b="1" dirty="0">
               <a:solidFill>
                 <a:schemeClr val="bg1">
                   <a:lumMod val="95000"/>
@@ -7418,7 +7418,7 @@
       </p:grpSpPr>
       <p:pic>
         <p:nvPicPr>
-          <p:cNvPr id="7" name="Kép 6"/>
+          <p:cNvPr id="9" name="Kép 8"/>
           <p:cNvPicPr>
             <a:picLocks noChangeAspect="1"/>
           </p:cNvPicPr>
@@ -7426,13 +7426,13 @@
         </p:nvPicPr>
         <p:blipFill rotWithShape="1">
           <a:blip r:embed="rId3"/>
-          <a:srcRect l="56409" t="12084" r="6299" b="5188"/>
+          <a:srcRect l="59861" t="13704" r="16528" b="4814"/>
           <a:stretch/>
         </p:blipFill>
         <p:spPr>
           <a:xfrm>
-            <a:off x="4893811" y="554059"/>
-            <a:ext cx="7107345" cy="4434400"/>
+            <a:off x="5914238" y="846069"/>
+            <a:ext cx="5704994" cy="5537200"/>
           </a:xfrm>
           <a:prstGeom prst="rect">
             <a:avLst/>
@@ -7523,7 +7523,7 @@
         <p:spPr>
           <a:xfrm>
             <a:off x="677334" y="1832525"/>
-            <a:ext cx="6416802" cy="4458465"/>
+            <a:ext cx="5236904" cy="4458465"/>
           </a:xfrm>
         </p:spPr>
         <p:txBody>
@@ -7734,11 +7734,14 @@
               </a:rPr>
               <a:t>Follow</a:t>
             </a:r>
-            <a:endParaRPr lang="hu-HU" sz="1800" b="1" dirty="0" smtClean="0">
-              <a:solidFill>
-                <a:schemeClr val="tx1"/>
-              </a:solidFill>
-            </a:endParaRPr>
+            <a:r>
+              <a:rPr lang="hu-HU" dirty="0" smtClean="0">
+                <a:solidFill>
+                  <a:schemeClr val="tx1"/>
+                </a:solidFill>
+              </a:rPr>
+              <a:t> : Meglévő adat módosítás</a:t>
+            </a:r>
           </a:p>
           <a:p>
             <a:pPr marL="285750" indent="-285750">
@@ -7783,7 +7786,7 @@
                   <a:schemeClr val="tx1"/>
                 </a:solidFill>
               </a:rPr>
-              <a:t>, </a:t>
+              <a:t>, Ismételt </a:t>
             </a:r>
             <a:r>
               <a:rPr lang="hu-HU" dirty="0">
@@ -7791,7 +7794,7 @@
                   <a:schemeClr val="tx1"/>
                 </a:solidFill>
               </a:rPr>
-              <a:t>, Ismételt és sorozatos adatbevitel adatforrásból</a:t>
+              <a:t>és sorozatos adatbevitel adatforrásból</a:t>
             </a:r>
           </a:p>
           <a:p>
@@ -7956,25 +7959,6 @@
               <a:buFontTx/>
               <a:buChar char="-"/>
             </a:pPr>
-            <a:endParaRPr lang="hu-HU" dirty="0"/>
-          </a:p>
-        </p:txBody>
-      </p:sp>
-      <p:sp>
-        <p:nvSpPr>
-          <p:cNvPr id="6" name="Tartalom helye 5"/>
-          <p:cNvSpPr>
-            <a:spLocks noGrp="1"/>
-          </p:cNvSpPr>
-          <p:nvPr>
-            <p:ph idx="1"/>
-          </p:nvPr>
-        </p:nvSpPr>
-        <p:spPr/>
-        <p:txBody>
-          <a:bodyPr/>
-          <a:lstStyle/>
-          <a:p>
             <a:endParaRPr lang="hu-HU" dirty="0"/>
           </a:p>
         </p:txBody>

--- a/docs/Conduit_prez.pptx
+++ b/docs/Conduit_prez.pptx
@@ -8132,57 +8132,139 @@
             <p:ph type="title"/>
           </p:nvPr>
         </p:nvSpPr>
-        <p:spPr/>
-        <p:txBody>
-          <a:bodyPr/>
+        <p:spPr>
+          <a:xfrm>
+            <a:off x="817052" y="1033279"/>
+            <a:ext cx="4498673" cy="645953"/>
+          </a:xfrm>
+        </p:spPr>
+        <p:txBody>
+          <a:bodyPr>
+            <a:noAutofit/>
+          </a:bodyPr>
           <a:lstStyle/>
           <a:p>
             <a:r>
-              <a:rPr lang="hu-HU" dirty="0" smtClean="0"/>
+              <a:rPr lang="hu-HU" sz="3200" b="1" dirty="0" smtClean="0">
+                <a:solidFill>
+                  <a:schemeClr val="tx1"/>
+                </a:solidFill>
+              </a:rPr>
               <a:t>Vezetői tesztjelentés</a:t>
             </a:r>
-            <a:endParaRPr lang="hu-HU" dirty="0"/>
-          </a:p>
-        </p:txBody>
-      </p:sp>
-      <p:sp>
-        <p:nvSpPr>
-          <p:cNvPr id="3" name="Tartalom helye 2"/>
-          <p:cNvSpPr>
-            <a:spLocks noGrp="1"/>
-          </p:cNvSpPr>
+            <a:endParaRPr lang="hu-HU" sz="3200" b="1" dirty="0">
+              <a:solidFill>
+                <a:schemeClr val="tx1"/>
+              </a:solidFill>
+            </a:endParaRPr>
+          </a:p>
+        </p:txBody>
+      </p:sp>
+      <p:pic>
+        <p:nvPicPr>
+          <p:cNvPr id="5" name="Tartalom helye 4"/>
+          <p:cNvPicPr>
+            <a:picLocks noGrp="1" noChangeAspect="1"/>
+          </p:cNvPicPr>
           <p:nvPr>
             <p:ph idx="1"/>
           </p:nvPr>
-        </p:nvSpPr>
-        <p:spPr/>
-        <p:txBody>
-          <a:bodyPr/>
+        </p:nvPicPr>
+        <p:blipFill rotWithShape="1">
+          <a:blip r:embed="rId2"/>
+          <a:srcRect t="10665" r="68817" b="31352"/>
+          <a:stretch/>
+        </p:blipFill>
+        <p:spPr>
+          <a:xfrm>
+            <a:off x="817053" y="2801923"/>
+            <a:ext cx="5885752" cy="3254105"/>
+          </a:xfrm>
+          <a:prstGeom prst="rect">
+            <a:avLst/>
+          </a:prstGeom>
+        </p:spPr>
+      </p:pic>
+      <p:sp>
+        <p:nvSpPr>
+          <p:cNvPr id="4" name="Szöveg helye 3"/>
+          <p:cNvSpPr>
+            <a:spLocks noGrp="1"/>
+          </p:cNvSpPr>
+          <p:nvPr>
+            <p:ph type="body" sz="half" idx="2"/>
+          </p:nvPr>
+        </p:nvSpPr>
+        <p:spPr>
+          <a:xfrm>
+            <a:off x="817052" y="1933923"/>
+            <a:ext cx="3854528" cy="532440"/>
+          </a:xfrm>
+        </p:spPr>
+        <p:txBody>
+          <a:bodyPr>
+            <a:normAutofit fontScale="70000" lnSpcReduction="20000"/>
+          </a:bodyPr>
           <a:lstStyle/>
           <a:p>
-            <a:endParaRPr lang="hu-HU"/>
-          </a:p>
-        </p:txBody>
-      </p:sp>
-      <p:sp>
-        <p:nvSpPr>
-          <p:cNvPr id="4" name="Szöveg helye 3"/>
-          <p:cNvSpPr>
-            <a:spLocks noGrp="1"/>
-          </p:cNvSpPr>
-          <p:nvPr>
-            <p:ph type="body" sz="half" idx="2"/>
-          </p:nvPr>
-        </p:nvSpPr>
-        <p:spPr/>
-        <p:txBody>
-          <a:bodyPr/>
-          <a:lstStyle/>
-          <a:p>
-            <a:endParaRPr lang="hu-HU"/>
-          </a:p>
-        </p:txBody>
-      </p:sp>
+            <a:r>
+              <a:rPr lang="hu-HU" dirty="0" smtClean="0">
+                <a:solidFill>
+                  <a:schemeClr val="accent1">
+                    <a:lumMod val="75000"/>
+                  </a:schemeClr>
+                </a:solidFill>
+              </a:rPr>
+              <a:t>Hivatkozás: </a:t>
+            </a:r>
+          </a:p>
+          <a:p>
+            <a:r>
+              <a:rPr lang="hu-HU" sz="2100" b="1" dirty="0" smtClean="0">
+                <a:solidFill>
+                  <a:schemeClr val="accent1">
+                    <a:lumMod val="75000"/>
+                  </a:schemeClr>
+                </a:solidFill>
+              </a:rPr>
+              <a:t>http</a:t>
+            </a:r>
+            <a:r>
+              <a:rPr lang="hu-HU" sz="2100" b="1" dirty="0">
+                <a:solidFill>
+                  <a:schemeClr val="accent1">
+                    <a:lumMod val="75000"/>
+                  </a:schemeClr>
+                </a:solidFill>
+              </a:rPr>
+              <a:t>://172.31.224.1:64240/index.html</a:t>
+            </a:r>
+          </a:p>
+        </p:txBody>
+      </p:sp>
+      <p:pic>
+        <p:nvPicPr>
+          <p:cNvPr id="8" name="Kép 7"/>
+          <p:cNvPicPr>
+            <a:picLocks noChangeAspect="1"/>
+          </p:cNvPicPr>
+          <p:nvPr/>
+        </p:nvPicPr>
+        <p:blipFill rotWithShape="1">
+          <a:blip r:embed="rId3"/>
+          <a:srcRect t="10566" r="87892" b="4379"/>
+          <a:stretch/>
+        </p:blipFill>
+        <p:spPr>
+          <a:xfrm>
+            <a:off x="6890606" y="711074"/>
+            <a:ext cx="2705335" cy="5344954"/>
+          </a:xfrm>
+          <a:prstGeom prst="rect">
+            <a:avLst/>
+          </a:prstGeom>
+        </p:spPr>
+      </p:pic>
     </p:spTree>
     <p:extLst>
       <p:ext uri="{BB962C8B-B14F-4D97-AF65-F5344CB8AC3E}">
@@ -8248,10 +8330,22 @@
           <a:p>
             <a:pPr algn="ctr"/>
             <a:r>
-              <a:rPr lang="hu-HU" sz="5500" dirty="0" smtClean="0"/>
+              <a:rPr lang="hu-HU" sz="5500" dirty="0" smtClean="0">
+                <a:solidFill>
+                  <a:schemeClr val="accent1">
+                    <a:lumMod val="75000"/>
+                  </a:schemeClr>
+                </a:solidFill>
+              </a:rPr>
               <a:t>Köszönöm a figyelmet!</a:t>
             </a:r>
-            <a:endParaRPr lang="hu-HU" sz="5500" dirty="0"/>
+            <a:endParaRPr lang="hu-HU" sz="5500" dirty="0">
+              <a:solidFill>
+                <a:schemeClr val="accent1">
+                  <a:lumMod val="75000"/>
+                </a:schemeClr>
+              </a:solidFill>
+            </a:endParaRPr>
           </a:p>
         </p:txBody>
       </p:sp>

--- a/docs/Conduit_prez.pptx
+++ b/docs/Conduit_prez.pptx
@@ -8014,73 +8014,133 @@
             <p:ph type="title"/>
           </p:nvPr>
         </p:nvSpPr>
+        <p:spPr>
+          <a:xfrm>
+            <a:off x="664271" y="598527"/>
+            <a:ext cx="3157106" cy="1278466"/>
+          </a:xfrm>
+        </p:spPr>
+        <p:txBody>
+          <a:bodyPr>
+            <a:normAutofit/>
+          </a:bodyPr>
+          <a:lstStyle/>
+          <a:p>
+            <a:r>
+              <a:rPr lang="hu-HU" sz="3500" b="1" dirty="0" err="1" smtClean="0">
+                <a:solidFill>
+                  <a:schemeClr val="tx1"/>
+                </a:solidFill>
+              </a:rPr>
+              <a:t>Github</a:t>
+            </a:r>
+            <a:r>
+              <a:rPr lang="hu-HU" sz="3500" b="1" dirty="0" smtClean="0">
+                <a:solidFill>
+                  <a:schemeClr val="tx1"/>
+                </a:solidFill>
+              </a:rPr>
+              <a:t> </a:t>
+            </a:r>
+            <a:r>
+              <a:rPr lang="hu-HU" sz="3500" b="1" dirty="0" err="1" smtClean="0">
+                <a:solidFill>
+                  <a:schemeClr val="tx1"/>
+                </a:solidFill>
+              </a:rPr>
+              <a:t>action</a:t>
+            </a:r>
+            <a:r>
+              <a:rPr lang="hu-HU" sz="3500" b="1" dirty="0" smtClean="0">
+                <a:solidFill>
+                  <a:schemeClr val="tx1"/>
+                </a:solidFill>
+              </a:rPr>
+              <a:t> </a:t>
+            </a:r>
+            <a:r>
+              <a:rPr lang="hu-HU" sz="3500" b="1" dirty="0" err="1" smtClean="0">
+                <a:solidFill>
+                  <a:schemeClr val="tx1"/>
+                </a:solidFill>
+              </a:rPr>
+              <a:t>workflow</a:t>
+            </a:r>
+            <a:endParaRPr lang="hu-HU" sz="3500" b="1" dirty="0">
+              <a:solidFill>
+                <a:schemeClr val="tx1"/>
+              </a:solidFill>
+            </a:endParaRPr>
+          </a:p>
+        </p:txBody>
+      </p:sp>
+      <p:sp>
+        <p:nvSpPr>
+          <p:cNvPr id="4" name="Szöveg helye 3"/>
+          <p:cNvSpPr>
+            <a:spLocks noGrp="1"/>
+          </p:cNvSpPr>
+          <p:nvPr>
+            <p:ph type="body" sz="half" idx="2"/>
+          </p:nvPr>
+        </p:nvSpPr>
         <p:spPr/>
         <p:txBody>
           <a:bodyPr/>
           <a:lstStyle/>
           <a:p>
-            <a:r>
-              <a:rPr lang="hu-HU" dirty="0" err="1" smtClean="0"/>
-              <a:t>Github</a:t>
-            </a:r>
-            <a:r>
-              <a:rPr lang="hu-HU" dirty="0" smtClean="0"/>
-              <a:t> </a:t>
-            </a:r>
-            <a:r>
-              <a:rPr lang="hu-HU" dirty="0" err="1" smtClean="0"/>
-              <a:t>action</a:t>
-            </a:r>
-            <a:r>
-              <a:rPr lang="hu-HU" dirty="0" smtClean="0"/>
-              <a:t> </a:t>
-            </a:r>
-            <a:r>
-              <a:rPr lang="hu-HU" dirty="0" err="1" smtClean="0"/>
-              <a:t>workflow</a:t>
-            </a:r>
-            <a:endParaRPr lang="hu-HU" dirty="0"/>
-          </a:p>
-        </p:txBody>
-      </p:sp>
-      <p:sp>
-        <p:nvSpPr>
-          <p:cNvPr id="3" name="Tartalom helye 2"/>
-          <p:cNvSpPr>
-            <a:spLocks noGrp="1"/>
-          </p:cNvSpPr>
+            <a:endParaRPr lang="hu-HU"/>
+          </a:p>
+        </p:txBody>
+      </p:sp>
+      <p:pic>
+        <p:nvPicPr>
+          <p:cNvPr id="8" name="Tartalom helye 7"/>
+          <p:cNvPicPr>
+            <a:picLocks noGrp="1" noChangeAspect="1"/>
+          </p:cNvPicPr>
           <p:nvPr>
             <p:ph idx="1"/>
           </p:nvPr>
-        </p:nvSpPr>
-        <p:spPr/>
-        <p:txBody>
-          <a:bodyPr/>
-          <a:lstStyle/>
-          <a:p>
-            <a:endParaRPr lang="hu-HU" dirty="0"/>
-          </a:p>
-        </p:txBody>
-      </p:sp>
-      <p:sp>
-        <p:nvSpPr>
-          <p:cNvPr id="4" name="Szöveg helye 3"/>
-          <p:cNvSpPr>
-            <a:spLocks noGrp="1"/>
-          </p:cNvSpPr>
-          <p:nvPr>
-            <p:ph type="body" sz="half" idx="2"/>
-          </p:nvPr>
-        </p:nvSpPr>
-        <p:spPr/>
-        <p:txBody>
-          <a:bodyPr/>
-          <a:lstStyle/>
-          <a:p>
-            <a:endParaRPr lang="hu-HU"/>
-          </a:p>
-        </p:txBody>
-      </p:sp>
+        </p:nvPicPr>
+        <p:blipFill rotWithShape="1">
+          <a:blip r:embed="rId2"/>
+          <a:srcRect l="9759" t="10239" r="69278" b="3957"/>
+          <a:stretch/>
+        </p:blipFill>
+        <p:spPr>
+          <a:xfrm>
+            <a:off x="5395757" y="444135"/>
+            <a:ext cx="5185954" cy="5969546"/>
+          </a:xfrm>
+          <a:prstGeom prst="rect">
+            <a:avLst/>
+          </a:prstGeom>
+        </p:spPr>
+      </p:pic>
+      <p:pic>
+        <p:nvPicPr>
+          <p:cNvPr id="7" name="Kép 6"/>
+          <p:cNvPicPr>
+            <a:picLocks noChangeAspect="1"/>
+          </p:cNvPicPr>
+          <p:nvPr/>
+        </p:nvPicPr>
+        <p:blipFill rotWithShape="1">
+          <a:blip r:embed="rId3"/>
+          <a:srcRect l="9654" t="15651" r="67274" b="2953"/>
+          <a:stretch/>
+        </p:blipFill>
+        <p:spPr>
+          <a:xfrm>
+            <a:off x="664271" y="2289923"/>
+            <a:ext cx="4155924" cy="4123758"/>
+          </a:xfrm>
+          <a:prstGeom prst="rect">
+            <a:avLst/>
+          </a:prstGeom>
+        </p:spPr>
+      </p:pic>
     </p:spTree>
     <p:extLst>
       <p:ext uri="{BB962C8B-B14F-4D97-AF65-F5344CB8AC3E}">

--- a/docs/Conduit_prez.pptx
+++ b/docs/Conduit_prez.pptx
@@ -209,7 +209,7 @@
             <a:pPr rtl="0"/>
             <a:fld id="{7EF688D4-7F16-4BD2-88B7-263C95453B3E}" type="datetime1">
               <a:rPr lang="hu-HU" smtClean="0"/>
-              <a:t>2021.08.14.</a:t>
+              <a:t>2021.08.21.</a:t>
             </a:fld>
             <a:endParaRPr lang="hu-HU" dirty="0"/>
           </a:p>
@@ -378,7 +378,7 @@
             <a:fld id="{28DC459D-B4D6-4012-8FBB-7A7108C17062}" type="datetime1">
               <a:rPr lang="hu-HU" smtClean="0"/>
               <a:pPr/>
-              <a:t>2021.08.14.</a:t>
+              <a:t>2021.08.21.</a:t>
             </a:fld>
             <a:endParaRPr lang="hu-HU" dirty="0"/>
           </a:p>
@@ -1543,7 +1543,7 @@
             <a:pPr rtl="0"/>
             <a:fld id="{45487149-6A93-4FA1-BE5A-5D631D57B426}" type="datetime1">
               <a:rPr lang="hu-HU" noProof="0" smtClean="0"/>
-              <a:t>2021.08.14.</a:t>
+              <a:t>2021.08.21.</a:t>
             </a:fld>
             <a:endParaRPr lang="hu-HU" noProof="0" dirty="0"/>
           </a:p>
@@ -1793,7 +1793,7 @@
             <a:pPr rtl="0"/>
             <a:fld id="{3B4EFC58-14A2-415C-A823-6EDFC0F5FFA9}" type="datetime1">
               <a:rPr lang="hu-HU" noProof="0" smtClean="0"/>
-              <a:t>2021.08.14.</a:t>
+              <a:t>2021.08.21.</a:t>
             </a:fld>
             <a:endParaRPr lang="hu-HU" noProof="0" dirty="0"/>
           </a:p>
@@ -2106,7 +2106,7 @@
             <a:pPr rtl="0"/>
             <a:fld id="{BCCA17BE-1851-4FCA-B3DF-0FA8294BD60D}" type="datetime1">
               <a:rPr lang="hu-HU" noProof="0" smtClean="0"/>
-              <a:t>2021.08.14.</a:t>
+              <a:t>2021.08.21.</a:t>
             </a:fld>
             <a:endParaRPr lang="hu-HU" noProof="0" dirty="0"/>
           </a:p>
@@ -2446,7 +2446,7 @@
             <a:pPr rtl="0"/>
             <a:fld id="{8CADECF4-AFE1-4173-9BCD-35DED4B69BAB}" type="datetime1">
               <a:rPr lang="hu-HU" noProof="0" smtClean="0"/>
-              <a:t>2021.08.14.</a:t>
+              <a:t>2021.08.21.</a:t>
             </a:fld>
             <a:endParaRPr lang="hu-HU" noProof="0" dirty="0"/>
           </a:p>
@@ -2759,7 +2759,7 @@
             <a:pPr rtl="0"/>
             <a:fld id="{AD9A67DB-F73C-44EB-814F-69F0D1F22955}" type="datetime1">
               <a:rPr lang="hu-HU" noProof="0" smtClean="0"/>
-              <a:t>2021.08.14.</a:t>
+              <a:t>2021.08.21.</a:t>
             </a:fld>
             <a:endParaRPr lang="hu-HU" noProof="0" dirty="0"/>
           </a:p>
@@ -3151,7 +3151,7 @@
             <a:pPr rtl="0"/>
             <a:fld id="{CD3007EF-A8FA-4833-AB57-F7A77812C15D}" type="datetime1">
               <a:rPr lang="hu-HU" noProof="0" smtClean="0"/>
-              <a:t>2021.08.14.</a:t>
+              <a:t>2021.08.21.</a:t>
             </a:fld>
             <a:endParaRPr lang="hu-HU" noProof="0" dirty="0"/>
           </a:p>
@@ -3319,7 +3319,7 @@
             <a:pPr rtl="0"/>
             <a:fld id="{86A1A555-E932-426A-9282-12A7AFF67F97}" type="datetime1">
               <a:rPr lang="hu-HU" noProof="0" smtClean="0"/>
-              <a:t>2021.08.14.</a:t>
+              <a:t>2021.08.21.</a:t>
             </a:fld>
             <a:endParaRPr lang="hu-HU" noProof="0" dirty="0"/>
           </a:p>
@@ -3496,7 +3496,7 @@
             <a:pPr rtl="0"/>
             <a:fld id="{EBCD56CD-1FF9-437B-984D-D4EE2B3E0527}" type="datetime1">
               <a:rPr lang="hu-HU" noProof="0" smtClean="0"/>
-              <a:t>2021.08.14.</a:t>
+              <a:t>2021.08.21.</a:t>
             </a:fld>
             <a:endParaRPr lang="hu-HU" noProof="0" dirty="0"/>
           </a:p>
@@ -3670,7 +3670,7 @@
             <a:pPr rtl="0"/>
             <a:fld id="{2F92DCED-64FE-41BC-B886-A871836BD7D9}" type="datetime1">
               <a:rPr lang="hu-HU" noProof="0" smtClean="0"/>
-              <a:t>2021.08.14.</a:t>
+              <a:t>2021.08.21.</a:t>
             </a:fld>
             <a:endParaRPr lang="hu-HU" noProof="0" dirty="0"/>
           </a:p>
@@ -3916,7 +3916,7 @@
             <a:pPr rtl="0"/>
             <a:fld id="{D393FFFF-4736-468C-8E9C-3A337D1002BB}" type="datetime1">
               <a:rPr lang="hu-HU" noProof="0" smtClean="0"/>
-              <a:t>2021.08.14.</a:t>
+              <a:t>2021.08.21.</a:t>
             </a:fld>
             <a:endParaRPr lang="hu-HU" noProof="0" dirty="0"/>
           </a:p>
@@ -4145,7 +4145,7 @@
             <a:pPr rtl="0"/>
             <a:fld id="{4908703D-F9ED-4E03-8683-BF8E7B27C688}" type="datetime1">
               <a:rPr lang="hu-HU" noProof="0" smtClean="0"/>
-              <a:t>2021.08.14.</a:t>
+              <a:t>2021.08.21.</a:t>
             </a:fld>
             <a:endParaRPr lang="hu-HU" noProof="0" dirty="0"/>
           </a:p>
@@ -4515,7 +4515,7 @@
             <a:pPr rtl="0"/>
             <a:fld id="{03E5C0B2-35D2-4207-AD9D-9B6414E27455}" type="datetime1">
               <a:rPr lang="hu-HU" noProof="0" smtClean="0"/>
-              <a:t>2021.08.14.</a:t>
+              <a:t>2021.08.21.</a:t>
             </a:fld>
             <a:endParaRPr lang="hu-HU" noProof="0" dirty="0"/>
           </a:p>
@@ -4637,7 +4637,7 @@
             <a:pPr rtl="0"/>
             <a:fld id="{28C721E9-10E2-4127-A2B7-7C85093BDE8C}" type="datetime1">
               <a:rPr lang="hu-HU" noProof="0" smtClean="0"/>
-              <a:t>2021.08.14.</a:t>
+              <a:t>2021.08.21.</a:t>
             </a:fld>
             <a:endParaRPr lang="hu-HU" noProof="0" dirty="0"/>
           </a:p>
@@ -4731,7 +4731,7 @@
             <a:pPr rtl="0"/>
             <a:fld id="{2AC3D6DB-80C8-4E1E-9EF8-231CF93B55A6}" type="datetime1">
               <a:rPr lang="hu-HU" noProof="0" smtClean="0"/>
-              <a:t>2021.08.14.</a:t>
+              <a:t>2021.08.21.</a:t>
             </a:fld>
             <a:endParaRPr lang="hu-HU" noProof="0" dirty="0"/>
           </a:p>
@@ -4984,7 +4984,7 @@
             <a:pPr rtl="0"/>
             <a:fld id="{5ECB1BD6-0B27-4528-BDBB-DC2D26416810}" type="datetime1">
               <a:rPr lang="hu-HU" noProof="0" smtClean="0"/>
-              <a:t>2021.08.14.</a:t>
+              <a:t>2021.08.21.</a:t>
             </a:fld>
             <a:endParaRPr lang="hu-HU" noProof="0" dirty="0"/>
           </a:p>
@@ -5245,7 +5245,7 @@
             <a:pPr rtl="0"/>
             <a:fld id="{78F3A994-9C7E-4273-861D-2E21C43AD189}" type="datetime1">
               <a:rPr lang="hu-HU" noProof="0" smtClean="0"/>
-              <a:t>2021.08.14.</a:t>
+              <a:t>2021.08.21.</a:t>
             </a:fld>
             <a:endParaRPr lang="hu-HU" noProof="0" dirty="0"/>
           </a:p>
@@ -5986,7 +5986,7 @@
             <a:pPr rtl="0"/>
             <a:fld id="{B8C64245-E1E7-4C6C-BA14-4E71044F1A99}" type="datetime1">
               <a:rPr lang="hu-HU" noProof="0" smtClean="0"/>
-              <a:t>2021.08.14.</a:t>
+              <a:t>2021.08.21.</a:t>
             </a:fld>
             <a:endParaRPr lang="hu-HU" noProof="0" dirty="0"/>
           </a:p>
@@ -6525,7 +6525,7 @@
                 <a16:creationId xmlns:a16="http://schemas.microsoft.com/office/drawing/2014/main" id="{9179DE42-5613-4B35-A1E6-6CCBAA13C743}"/>
               </a:ext>
               <a:ext uri="{C183D7F6-B498-43B3-948B-1728B52AA6E4}">
-                <adec:decorative xmlns:adec="http://schemas.microsoft.com/office/drawing/2017/decorative" xmlns="" val="1"/>
+                <adec:decorative xmlns="" xmlns:adec="http://schemas.microsoft.com/office/drawing/2017/decorative" val="1"/>
               </a:ext>
             </a:extLst>
           </p:cNvPr>
@@ -6585,7 +6585,7 @@
                 <a16:creationId xmlns:a16="http://schemas.microsoft.com/office/drawing/2014/main" id="{EB898B32-3891-4C3A-8F58-C5969D2E9033}"/>
               </a:ext>
               <a:ext uri="{C183D7F6-B498-43B3-948B-1728B52AA6E4}">
-                <adec:decorative xmlns:adec="http://schemas.microsoft.com/office/drawing/2017/decorative" xmlns="" val="1"/>
+                <adec:decorative xmlns="" xmlns:adec="http://schemas.microsoft.com/office/drawing/2017/decorative" val="1"/>
               </a:ext>
             </a:extLst>
           </p:cNvPr>
@@ -6639,7 +6639,7 @@
                 <a16:creationId xmlns:a16="http://schemas.microsoft.com/office/drawing/2014/main" id="{4AE4806D-B8F9-4679-A68A-9BD21C01A301}"/>
               </a:ext>
               <a:ext uri="{C183D7F6-B498-43B3-948B-1728B52AA6E4}">
-                <adec:decorative xmlns:adec="http://schemas.microsoft.com/office/drawing/2017/decorative" xmlns="" val="1"/>
+                <adec:decorative xmlns="" xmlns:adec="http://schemas.microsoft.com/office/drawing/2017/decorative" val="1"/>
               </a:ext>
             </a:extLst>
           </p:cNvPr>
@@ -6695,7 +6695,7 @@
                 <a16:creationId xmlns:a16="http://schemas.microsoft.com/office/drawing/2014/main" id="{52FB45E9-914E-4471-AC87-E475CD51767D}"/>
               </a:ext>
               <a:ext uri="{C183D7F6-B498-43B3-948B-1728B52AA6E4}">
-                <adec:decorative xmlns:adec="http://schemas.microsoft.com/office/drawing/2017/decorative" xmlns="" val="1"/>
+                <adec:decorative xmlns="" xmlns:adec="http://schemas.microsoft.com/office/drawing/2017/decorative" val="1"/>
               </a:ext>
             </a:extLst>
           </p:cNvPr>
@@ -6775,7 +6775,7 @@
                 <a16:creationId xmlns:a16="http://schemas.microsoft.com/office/drawing/2014/main" id="{C310626D-5743-49D4-8F7D-88C4F8F05774}"/>
               </a:ext>
               <a:ext uri="{C183D7F6-B498-43B3-948B-1728B52AA6E4}">
-                <adec:decorative xmlns:adec="http://schemas.microsoft.com/office/drawing/2017/decorative" xmlns="" val="1"/>
+                <adec:decorative xmlns="" xmlns:adec="http://schemas.microsoft.com/office/drawing/2017/decorative" val="1"/>
               </a:ext>
             </a:extLst>
           </p:cNvPr>
@@ -6855,7 +6855,7 @@
                 <a16:creationId xmlns:a16="http://schemas.microsoft.com/office/drawing/2014/main" id="{3C195FC1-B568-4C72-9902-34CB35DDD7A1}"/>
               </a:ext>
               <a:ext uri="{C183D7F6-B498-43B3-948B-1728B52AA6E4}">
-                <adec:decorative xmlns:adec="http://schemas.microsoft.com/office/drawing/2017/decorative" xmlns="" val="1"/>
+                <adec:decorative xmlns="" xmlns:adec="http://schemas.microsoft.com/office/drawing/2017/decorative" val="1"/>
               </a:ext>
             </a:extLst>
           </p:cNvPr>
@@ -6913,7 +6913,7 @@
                 <a16:creationId xmlns:a16="http://schemas.microsoft.com/office/drawing/2014/main" id="{EF2BDF77-362C-43F0-8CBB-A969EC2AE0C4}"/>
               </a:ext>
               <a:ext uri="{C183D7F6-B498-43B3-948B-1728B52AA6E4}">
-                <adec:decorative xmlns:adec="http://schemas.microsoft.com/office/drawing/2017/decorative" xmlns="" val="1"/>
+                <adec:decorative xmlns="" xmlns:adec="http://schemas.microsoft.com/office/drawing/2017/decorative" val="1"/>
               </a:ext>
             </a:extLst>
           </p:cNvPr>
@@ -6994,7 +6994,7 @@
                 <a16:creationId xmlns:a16="http://schemas.microsoft.com/office/drawing/2014/main" id="{4BE96B01-3929-432D-B8C2-ADBCB74C2EF4}"/>
               </a:ext>
               <a:ext uri="{C183D7F6-B498-43B3-948B-1728B52AA6E4}">
-                <adec:decorative xmlns:adec="http://schemas.microsoft.com/office/drawing/2017/decorative" xmlns="" val="1"/>
+                <adec:decorative xmlns="" xmlns:adec="http://schemas.microsoft.com/office/drawing/2017/decorative" val="1"/>
               </a:ext>
             </a:extLst>
           </p:cNvPr>
@@ -7052,7 +7052,7 @@
                 <a16:creationId xmlns:a16="http://schemas.microsoft.com/office/drawing/2014/main" id="{2A6FCDE6-CDE2-4C51-B18E-A95CFB679714}"/>
               </a:ext>
               <a:ext uri="{C183D7F6-B498-43B3-948B-1728B52AA6E4}">
-                <adec:decorative xmlns:adec="http://schemas.microsoft.com/office/drawing/2017/decorative" xmlns="" val="1"/>
+                <adec:decorative xmlns="" xmlns:adec="http://schemas.microsoft.com/office/drawing/2017/decorative" val="1"/>
               </a:ext>
             </a:extLst>
           </p:cNvPr>
@@ -7182,7 +7182,7 @@
                 <a16:creationId xmlns:a16="http://schemas.microsoft.com/office/drawing/2014/main" id="{9D2E8756-2465-473A-BA2A-2DB1D6224745}"/>
               </a:ext>
               <a:ext uri="{C183D7F6-B498-43B3-948B-1728B52AA6E4}">
-                <adec:decorative xmlns:adec="http://schemas.microsoft.com/office/drawing/2017/decorative" xmlns="" val="1"/>
+                <adec:decorative xmlns="" xmlns:adec="http://schemas.microsoft.com/office/drawing/2017/decorative" val="1"/>
               </a:ext>
             </a:extLst>
           </p:cNvPr>
@@ -8263,7 +8263,7 @@
         </p:spPr>
         <p:txBody>
           <a:bodyPr>
-            <a:normAutofit fontScale="70000" lnSpcReduction="20000"/>
+            <a:normAutofit fontScale="62500" lnSpcReduction="20000"/>
           </a:bodyPr>
           <a:lstStyle/>
           <a:p>
@@ -8280,25 +8280,22 @@
           </a:p>
           <a:p>
             <a:r>
-              <a:rPr lang="hu-HU" sz="2100" b="1" dirty="0" smtClean="0">
+              <a:rPr lang="hu-HU" sz="2600" b="1" dirty="0">
                 <a:solidFill>
                   <a:schemeClr val="accent1">
                     <a:lumMod val="75000"/>
                   </a:schemeClr>
                 </a:solidFill>
               </a:rPr>
-              <a:t>http</a:t>
-            </a:r>
-            <a:r>
-              <a:rPr lang="hu-HU" sz="2100" b="1" dirty="0">
-                <a:solidFill>
-                  <a:schemeClr val="accent1">
-                    <a:lumMod val="75000"/>
-                  </a:schemeClr>
-                </a:solidFill>
-              </a:rPr>
-              <a:t>://172.31.224.1:64240/index.html</a:t>
-            </a:r>
+              <a:t>https://ksj-123.github.io/conduit/</a:t>
+            </a:r>
+            <a:endParaRPr lang="hu-HU" sz="2600" b="1" dirty="0">
+              <a:solidFill>
+                <a:schemeClr val="accent1">
+                  <a:lumMod val="75000"/>
+                </a:schemeClr>
+              </a:solidFill>
+            </a:endParaRPr>
           </a:p>
         </p:txBody>
       </p:sp>
@@ -9267,11 +9264,12 @@
 </file>
 
 <file path=customXml/item1.xml><?xml version="1.0" encoding="utf-8"?>
-<p:properties xmlns:p="http://schemas.microsoft.com/office/2006/metadata/properties" xmlns:xsi="http://www.w3.org/2001/XMLSchema-instance" xmlns:pc="http://schemas.microsoft.com/office/infopath/2007/PartnerControls">
-  <documentManagement>
-    <MediaServiceKeyPoints xmlns="71af3243-3dd4-4a8d-8c0d-dd76da1f02a5" xsi:nil="true"/>
-  </documentManagement>
-</p:properties>
+<?mso-contentType ?>
+<FormTemplates xmlns="http://schemas.microsoft.com/sharepoint/v3/contenttype/forms">
+  <Display>DocumentLibraryForm</Display>
+  <Edit>DocumentLibraryForm</Edit>
+  <New>DocumentLibraryForm</New>
+</FormTemplates>
 </file>
 
 <file path=customXml/item2.xml><?xml version="1.0" encoding="utf-8"?>
@@ -9486,27 +9484,17 @@
 </file>
 
 <file path=customXml/item3.xml><?xml version="1.0" encoding="utf-8"?>
-<?mso-contentType ?>
-<FormTemplates xmlns="http://schemas.microsoft.com/sharepoint/v3/contenttype/forms">
-  <Display>DocumentLibraryForm</Display>
-  <Edit>DocumentLibraryForm</Edit>
-  <New>DocumentLibraryForm</New>
-</FormTemplates>
+<p:properties xmlns:p="http://schemas.microsoft.com/office/2006/metadata/properties" xmlns:xsi="http://www.w3.org/2001/XMLSchema-instance" xmlns:pc="http://schemas.microsoft.com/office/infopath/2007/PartnerControls">
+  <documentManagement>
+    <MediaServiceKeyPoints xmlns="71af3243-3dd4-4a8d-8c0d-dd76da1f02a5" xsi:nil="true"/>
+  </documentManagement>
+</p:properties>
 </file>
 
 <file path=customXml/itemProps1.xml><?xml version="1.0" encoding="utf-8"?>
-<ds:datastoreItem xmlns:ds="http://schemas.openxmlformats.org/officeDocument/2006/customXml" ds:itemID="{CC24F515-356D-4532-BE08-F6D7771916F0}">
+<ds:datastoreItem xmlns:ds="http://schemas.openxmlformats.org/officeDocument/2006/customXml" ds:itemID="{9AEF1282-A6E9-4912-8AB9-8ED69BF7097D}">
   <ds:schemaRefs>
-    <ds:schemaRef ds:uri="http://schemas.microsoft.com/office/2006/metadata/properties"/>
-    <ds:schemaRef ds:uri="http://schemas.microsoft.com/office/2006/documentManagement/types"/>
-    <ds:schemaRef ds:uri="http://purl.org/dc/elements/1.1/"/>
-    <ds:schemaRef ds:uri="http://schemas.openxmlformats.org/package/2006/metadata/core-properties"/>
-    <ds:schemaRef ds:uri="16c05727-aa75-4e4a-9b5f-8a80a1165891"/>
-    <ds:schemaRef ds:uri="http://schemas.microsoft.com/office/infopath/2007/PartnerControls"/>
-    <ds:schemaRef ds:uri="http://purl.org/dc/terms/"/>
-    <ds:schemaRef ds:uri="71af3243-3dd4-4a8d-8c0d-dd76da1f02a5"/>
-    <ds:schemaRef ds:uri="http://www.w3.org/XML/1998/namespace"/>
-    <ds:schemaRef ds:uri="http://purl.org/dc/dcmitype/"/>
+    <ds:schemaRef ds:uri="http://schemas.microsoft.com/sharepoint/v3/contenttype/forms"/>
   </ds:schemaRefs>
 </ds:datastoreItem>
 </file>
@@ -9531,9 +9519,18 @@
 </file>
 
 <file path=customXml/itemProps3.xml><?xml version="1.0" encoding="utf-8"?>
-<ds:datastoreItem xmlns:ds="http://schemas.openxmlformats.org/officeDocument/2006/customXml" ds:itemID="{9AEF1282-A6E9-4912-8AB9-8ED69BF7097D}">
+<ds:datastoreItem xmlns:ds="http://schemas.openxmlformats.org/officeDocument/2006/customXml" ds:itemID="{CC24F515-356D-4532-BE08-F6D7771916F0}">
   <ds:schemaRefs>
-    <ds:schemaRef ds:uri="http://schemas.microsoft.com/sharepoint/v3/contenttype/forms"/>
+    <ds:schemaRef ds:uri="http://schemas.microsoft.com/office/2006/metadata/properties"/>
+    <ds:schemaRef ds:uri="http://schemas.microsoft.com/office/2006/documentManagement/types"/>
+    <ds:schemaRef ds:uri="http://purl.org/dc/elements/1.1/"/>
+    <ds:schemaRef ds:uri="http://schemas.openxmlformats.org/package/2006/metadata/core-properties"/>
+    <ds:schemaRef ds:uri="16c05727-aa75-4e4a-9b5f-8a80a1165891"/>
+    <ds:schemaRef ds:uri="http://schemas.microsoft.com/office/infopath/2007/PartnerControls"/>
+    <ds:schemaRef ds:uri="http://purl.org/dc/terms/"/>
+    <ds:schemaRef ds:uri="71af3243-3dd4-4a8d-8c0d-dd76da1f02a5"/>
+    <ds:schemaRef ds:uri="http://www.w3.org/XML/1998/namespace"/>
+    <ds:schemaRef ds:uri="http://purl.org/dc/dcmitype/"/>
   </ds:schemaRefs>
 </ds:datastoreItem>
 </file>
--- a/docs/Conduit_prez.pptx
+++ b/docs/Conduit_prez.pptx
@@ -209,7 +209,7 @@
             <a:pPr rtl="0"/>
             <a:fld id="{7EF688D4-7F16-4BD2-88B7-263C95453B3E}" type="datetime1">
               <a:rPr lang="hu-HU" smtClean="0"/>
-              <a:t>2021.08.21.</a:t>
+              <a:t>2021.09.07.</a:t>
             </a:fld>
             <a:endParaRPr lang="hu-HU" dirty="0"/>
           </a:p>
@@ -378,7 +378,7 @@
             <a:fld id="{28DC459D-B4D6-4012-8FBB-7A7108C17062}" type="datetime1">
               <a:rPr lang="hu-HU" smtClean="0"/>
               <a:pPr/>
-              <a:t>2021.08.21.</a:t>
+              <a:t>2021.09.07.</a:t>
             </a:fld>
             <a:endParaRPr lang="hu-HU" dirty="0"/>
           </a:p>
@@ -1543,7 +1543,7 @@
             <a:pPr rtl="0"/>
             <a:fld id="{45487149-6A93-4FA1-BE5A-5D631D57B426}" type="datetime1">
               <a:rPr lang="hu-HU" noProof="0" smtClean="0"/>
-              <a:t>2021.08.21.</a:t>
+              <a:t>2021.09.07.</a:t>
             </a:fld>
             <a:endParaRPr lang="hu-HU" noProof="0" dirty="0"/>
           </a:p>
@@ -1793,7 +1793,7 @@
             <a:pPr rtl="0"/>
             <a:fld id="{3B4EFC58-14A2-415C-A823-6EDFC0F5FFA9}" type="datetime1">
               <a:rPr lang="hu-HU" noProof="0" smtClean="0"/>
-              <a:t>2021.08.21.</a:t>
+              <a:t>2021.09.07.</a:t>
             </a:fld>
             <a:endParaRPr lang="hu-HU" noProof="0" dirty="0"/>
           </a:p>
@@ -2106,7 +2106,7 @@
             <a:pPr rtl="0"/>
             <a:fld id="{BCCA17BE-1851-4FCA-B3DF-0FA8294BD60D}" type="datetime1">
               <a:rPr lang="hu-HU" noProof="0" smtClean="0"/>
-              <a:t>2021.08.21.</a:t>
+              <a:t>2021.09.07.</a:t>
             </a:fld>
             <a:endParaRPr lang="hu-HU" noProof="0" dirty="0"/>
           </a:p>
@@ -2446,7 +2446,7 @@
             <a:pPr rtl="0"/>
             <a:fld id="{8CADECF4-AFE1-4173-9BCD-35DED4B69BAB}" type="datetime1">
               <a:rPr lang="hu-HU" noProof="0" smtClean="0"/>
-              <a:t>2021.08.21.</a:t>
+              <a:t>2021.09.07.</a:t>
             </a:fld>
             <a:endParaRPr lang="hu-HU" noProof="0" dirty="0"/>
           </a:p>
@@ -2759,7 +2759,7 @@
             <a:pPr rtl="0"/>
             <a:fld id="{AD9A67DB-F73C-44EB-814F-69F0D1F22955}" type="datetime1">
               <a:rPr lang="hu-HU" noProof="0" smtClean="0"/>
-              <a:t>2021.08.21.</a:t>
+              <a:t>2021.09.07.</a:t>
             </a:fld>
             <a:endParaRPr lang="hu-HU" noProof="0" dirty="0"/>
           </a:p>
@@ -3151,7 +3151,7 @@
             <a:pPr rtl="0"/>
             <a:fld id="{CD3007EF-A8FA-4833-AB57-F7A77812C15D}" type="datetime1">
               <a:rPr lang="hu-HU" noProof="0" smtClean="0"/>
-              <a:t>2021.08.21.</a:t>
+              <a:t>2021.09.07.</a:t>
             </a:fld>
             <a:endParaRPr lang="hu-HU" noProof="0" dirty="0"/>
           </a:p>
@@ -3319,7 +3319,7 @@
             <a:pPr rtl="0"/>
             <a:fld id="{86A1A555-E932-426A-9282-12A7AFF67F97}" type="datetime1">
               <a:rPr lang="hu-HU" noProof="0" smtClean="0"/>
-              <a:t>2021.08.21.</a:t>
+              <a:t>2021.09.07.</a:t>
             </a:fld>
             <a:endParaRPr lang="hu-HU" noProof="0" dirty="0"/>
           </a:p>
@@ -3496,7 +3496,7 @@
             <a:pPr rtl="0"/>
             <a:fld id="{EBCD56CD-1FF9-437B-984D-D4EE2B3E0527}" type="datetime1">
               <a:rPr lang="hu-HU" noProof="0" smtClean="0"/>
-              <a:t>2021.08.21.</a:t>
+              <a:t>2021.09.07.</a:t>
             </a:fld>
             <a:endParaRPr lang="hu-HU" noProof="0" dirty="0"/>
           </a:p>
@@ -3670,7 +3670,7 @@
             <a:pPr rtl="0"/>
             <a:fld id="{2F92DCED-64FE-41BC-B886-A871836BD7D9}" type="datetime1">
               <a:rPr lang="hu-HU" noProof="0" smtClean="0"/>
-              <a:t>2021.08.21.</a:t>
+              <a:t>2021.09.07.</a:t>
             </a:fld>
             <a:endParaRPr lang="hu-HU" noProof="0" dirty="0"/>
           </a:p>
@@ -3916,7 +3916,7 @@
             <a:pPr rtl="0"/>
             <a:fld id="{D393FFFF-4736-468C-8E9C-3A337D1002BB}" type="datetime1">
               <a:rPr lang="hu-HU" noProof="0" smtClean="0"/>
-              <a:t>2021.08.21.</a:t>
+              <a:t>2021.09.07.</a:t>
             </a:fld>
             <a:endParaRPr lang="hu-HU" noProof="0" dirty="0"/>
           </a:p>
@@ -4145,7 +4145,7 @@
             <a:pPr rtl="0"/>
             <a:fld id="{4908703D-F9ED-4E03-8683-BF8E7B27C688}" type="datetime1">
               <a:rPr lang="hu-HU" noProof="0" smtClean="0"/>
-              <a:t>2021.08.21.</a:t>
+              <a:t>2021.09.07.</a:t>
             </a:fld>
             <a:endParaRPr lang="hu-HU" noProof="0" dirty="0"/>
           </a:p>
@@ -4515,7 +4515,7 @@
             <a:pPr rtl="0"/>
             <a:fld id="{03E5C0B2-35D2-4207-AD9D-9B6414E27455}" type="datetime1">
               <a:rPr lang="hu-HU" noProof="0" smtClean="0"/>
-              <a:t>2021.08.21.</a:t>
+              <a:t>2021.09.07.</a:t>
             </a:fld>
             <a:endParaRPr lang="hu-HU" noProof="0" dirty="0"/>
           </a:p>
@@ -4637,7 +4637,7 @@
             <a:pPr rtl="0"/>
             <a:fld id="{28C721E9-10E2-4127-A2B7-7C85093BDE8C}" type="datetime1">
               <a:rPr lang="hu-HU" noProof="0" smtClean="0"/>
-              <a:t>2021.08.21.</a:t>
+              <a:t>2021.09.07.</a:t>
             </a:fld>
             <a:endParaRPr lang="hu-HU" noProof="0" dirty="0"/>
           </a:p>
@@ -4731,7 +4731,7 @@
             <a:pPr rtl="0"/>
             <a:fld id="{2AC3D6DB-80C8-4E1E-9EF8-231CF93B55A6}" type="datetime1">
               <a:rPr lang="hu-HU" noProof="0" smtClean="0"/>
-              <a:t>2021.08.21.</a:t>
+              <a:t>2021.09.07.</a:t>
             </a:fld>
             <a:endParaRPr lang="hu-HU" noProof="0" dirty="0"/>
           </a:p>
@@ -4984,7 +4984,7 @@
             <a:pPr rtl="0"/>
             <a:fld id="{5ECB1BD6-0B27-4528-BDBB-DC2D26416810}" type="datetime1">
               <a:rPr lang="hu-HU" noProof="0" smtClean="0"/>
-              <a:t>2021.08.21.</a:t>
+              <a:t>2021.09.07.</a:t>
             </a:fld>
             <a:endParaRPr lang="hu-HU" noProof="0" dirty="0"/>
           </a:p>
@@ -5245,7 +5245,7 @@
             <a:pPr rtl="0"/>
             <a:fld id="{78F3A994-9C7E-4273-861D-2E21C43AD189}" type="datetime1">
               <a:rPr lang="hu-HU" noProof="0" smtClean="0"/>
-              <a:t>2021.08.21.</a:t>
+              <a:t>2021.09.07.</a:t>
             </a:fld>
             <a:endParaRPr lang="hu-HU" noProof="0" dirty="0"/>
           </a:p>
@@ -5986,7 +5986,7 @@
             <a:pPr rtl="0"/>
             <a:fld id="{B8C64245-E1E7-4C6C-BA14-4E71044F1A99}" type="datetime1">
               <a:rPr lang="hu-HU" noProof="0" smtClean="0"/>
-              <a:t>2021.08.21.</a:t>
+              <a:t>2021.09.07.</a:t>
             </a:fld>
             <a:endParaRPr lang="hu-HU" noProof="0" dirty="0"/>
           </a:p>
@@ -7385,6 +7385,13 @@
   <p:clrMapOvr>
     <a:overrideClrMapping bg1="dk1" tx1="lt1" bg2="dk2" tx2="lt2" accent1="accent1" accent2="accent2" accent3="accent3" accent4="accent4" accent5="accent5" accent6="accent6" hlink="hlink" folHlink="folHlink"/>
   </p:clrMapOvr>
+  <p:timing>
+    <p:tnLst>
+      <p:par>
+        <p:cTn id="1" dur="indefinite" restart="never" nodeType="tmRoot"/>
+      </p:par>
+    </p:tnLst>
+  </p:timing>
 </p:sld>
 </file>
 
@@ -7395,8 +7402,8 @@
       <p:bgPr>
         <a:solidFill>
           <a:schemeClr val="accent1">
-            <a:lumMod val="20000"/>
-            <a:lumOff val="80000"/>
+            <a:lumMod val="60000"/>
+            <a:lumOff val="40000"/>
           </a:schemeClr>
         </a:solidFill>
         <a:effectLst/>
@@ -7493,18 +7500,14 @@
             <a:r>
               <a:rPr lang="en-US" sz="2000" dirty="0" smtClean="0">
                 <a:solidFill>
-                  <a:schemeClr val="accent1">
-                    <a:lumMod val="75000"/>
-                  </a:schemeClr>
+                  <a:schemeClr val="tx1"/>
                 </a:solidFill>
               </a:rPr>
               <a:t>A place to share your knowledge.</a:t>
             </a:r>
             <a:endParaRPr lang="hu-HU" sz="2000" dirty="0">
               <a:solidFill>
-                <a:schemeClr val="accent1">
-                  <a:lumMod val="75000"/>
-                </a:schemeClr>
+                <a:schemeClr val="tx1"/>
               </a:solidFill>
             </a:endParaRPr>
           </a:p>
@@ -7786,7 +7789,15 @@
                   <a:schemeClr val="tx1"/>
                 </a:solidFill>
               </a:rPr>
-              <a:t>, Ismételt </a:t>
+              <a:t>, </a:t>
+            </a:r>
+            <a:r>
+              <a:rPr lang="hu-HU" dirty="0" smtClean="0">
+                <a:solidFill>
+                  <a:schemeClr val="tx1"/>
+                </a:solidFill>
+              </a:rPr>
+              <a:t>ismételt </a:t>
             </a:r>
             <a:r>
               <a:rPr lang="hu-HU" dirty="0">
@@ -7973,6 +7984,1066 @@
   <p:clrMapOvr>
     <a:overrideClrMapping bg1="lt1" tx1="dk1" bg2="lt2" tx2="dk2" accent1="accent1" accent2="accent2" accent3="accent3" accent4="accent4" accent5="accent5" accent6="accent6" hlink="hlink" folHlink="folHlink"/>
   </p:clrMapOvr>
+  <p:timing>
+    <p:tnLst>
+      <p:par>
+        <p:cTn id="1" dur="indefinite" restart="never" nodeType="tmRoot">
+          <p:childTnLst>
+            <p:seq concurrent="1" nextAc="seek">
+              <p:cTn id="2" dur="indefinite" nodeType="mainSeq">
+                <p:childTnLst>
+                  <p:par>
+                    <p:cTn id="3" fill="hold">
+                      <p:stCondLst>
+                        <p:cond delay="indefinite"/>
+                      </p:stCondLst>
+                      <p:childTnLst>
+                        <p:par>
+                          <p:cTn id="4" fill="hold">
+                            <p:stCondLst>
+                              <p:cond delay="0"/>
+                            </p:stCondLst>
+                            <p:childTnLst>
+                              <p:par>
+                                <p:cTn id="5" presetID="2" presetClass="entr" presetSubtype="4" fill="hold" nodeType="clickEffect">
+                                  <p:stCondLst>
+                                    <p:cond delay="0"/>
+                                  </p:stCondLst>
+                                  <p:childTnLst>
+                                    <p:set>
+                                      <p:cBhvr>
+                                        <p:cTn id="6" dur="1" fill="hold">
+                                          <p:stCondLst>
+                                            <p:cond delay="0"/>
+                                          </p:stCondLst>
+                                        </p:cTn>
+                                        <p:tgtEl>
+                                          <p:spTgt spid="5">
+                                            <p:txEl>
+                                              <p:pRg st="0" end="0"/>
+                                            </p:txEl>
+                                          </p:spTgt>
+                                        </p:tgtEl>
+                                        <p:attrNameLst>
+                                          <p:attrName>style.visibility</p:attrName>
+                                        </p:attrNameLst>
+                                      </p:cBhvr>
+                                      <p:to>
+                                        <p:strVal val="visible"/>
+                                      </p:to>
+                                    </p:set>
+                                    <p:anim calcmode="lin" valueType="num">
+                                      <p:cBhvr additive="base">
+                                        <p:cTn id="7" dur="500" fill="hold"/>
+                                        <p:tgtEl>
+                                          <p:spTgt spid="5">
+                                            <p:txEl>
+                                              <p:pRg st="0" end="0"/>
+                                            </p:txEl>
+                                          </p:spTgt>
+                                        </p:tgtEl>
+                                        <p:attrNameLst>
+                                          <p:attrName>ppt_x</p:attrName>
+                                        </p:attrNameLst>
+                                      </p:cBhvr>
+                                      <p:tavLst>
+                                        <p:tav tm="0">
+                                          <p:val>
+                                            <p:strVal val="#ppt_x"/>
+                                          </p:val>
+                                        </p:tav>
+                                        <p:tav tm="100000">
+                                          <p:val>
+                                            <p:strVal val="#ppt_x"/>
+                                          </p:val>
+                                        </p:tav>
+                                      </p:tavLst>
+                                    </p:anim>
+                                    <p:anim calcmode="lin" valueType="num">
+                                      <p:cBhvr additive="base">
+                                        <p:cTn id="8" dur="500" fill="hold"/>
+                                        <p:tgtEl>
+                                          <p:spTgt spid="5">
+                                            <p:txEl>
+                                              <p:pRg st="0" end="0"/>
+                                            </p:txEl>
+                                          </p:spTgt>
+                                        </p:tgtEl>
+                                        <p:attrNameLst>
+                                          <p:attrName>ppt_y</p:attrName>
+                                        </p:attrNameLst>
+                                      </p:cBhvr>
+                                      <p:tavLst>
+                                        <p:tav tm="0">
+                                          <p:val>
+                                            <p:strVal val="1+#ppt_h/2"/>
+                                          </p:val>
+                                        </p:tav>
+                                        <p:tav tm="100000">
+                                          <p:val>
+                                            <p:strVal val="#ppt_y"/>
+                                          </p:val>
+                                        </p:tav>
+                                      </p:tavLst>
+                                    </p:anim>
+                                  </p:childTnLst>
+                                </p:cTn>
+                              </p:par>
+                            </p:childTnLst>
+                          </p:cTn>
+                        </p:par>
+                      </p:childTnLst>
+                    </p:cTn>
+                  </p:par>
+                  <p:par>
+                    <p:cTn id="9" fill="hold">
+                      <p:stCondLst>
+                        <p:cond delay="indefinite"/>
+                      </p:stCondLst>
+                      <p:childTnLst>
+                        <p:par>
+                          <p:cTn id="10" fill="hold">
+                            <p:stCondLst>
+                              <p:cond delay="0"/>
+                            </p:stCondLst>
+                            <p:childTnLst>
+                              <p:par>
+                                <p:cTn id="11" presetID="2" presetClass="entr" presetSubtype="4" fill="hold" nodeType="clickEffect">
+                                  <p:stCondLst>
+                                    <p:cond delay="0"/>
+                                  </p:stCondLst>
+                                  <p:childTnLst>
+                                    <p:set>
+                                      <p:cBhvr>
+                                        <p:cTn id="12" dur="1" fill="hold">
+                                          <p:stCondLst>
+                                            <p:cond delay="0"/>
+                                          </p:stCondLst>
+                                        </p:cTn>
+                                        <p:tgtEl>
+                                          <p:spTgt spid="5">
+                                            <p:txEl>
+                                              <p:pRg st="1" end="1"/>
+                                            </p:txEl>
+                                          </p:spTgt>
+                                        </p:tgtEl>
+                                        <p:attrNameLst>
+                                          <p:attrName>style.visibility</p:attrName>
+                                        </p:attrNameLst>
+                                      </p:cBhvr>
+                                      <p:to>
+                                        <p:strVal val="visible"/>
+                                      </p:to>
+                                    </p:set>
+                                    <p:anim calcmode="lin" valueType="num">
+                                      <p:cBhvr additive="base">
+                                        <p:cTn id="13" dur="500" fill="hold"/>
+                                        <p:tgtEl>
+                                          <p:spTgt spid="5">
+                                            <p:txEl>
+                                              <p:pRg st="1" end="1"/>
+                                            </p:txEl>
+                                          </p:spTgt>
+                                        </p:tgtEl>
+                                        <p:attrNameLst>
+                                          <p:attrName>ppt_x</p:attrName>
+                                        </p:attrNameLst>
+                                      </p:cBhvr>
+                                      <p:tavLst>
+                                        <p:tav tm="0">
+                                          <p:val>
+                                            <p:strVal val="#ppt_x"/>
+                                          </p:val>
+                                        </p:tav>
+                                        <p:tav tm="100000">
+                                          <p:val>
+                                            <p:strVal val="#ppt_x"/>
+                                          </p:val>
+                                        </p:tav>
+                                      </p:tavLst>
+                                    </p:anim>
+                                    <p:anim calcmode="lin" valueType="num">
+                                      <p:cBhvr additive="base">
+                                        <p:cTn id="14" dur="500" fill="hold"/>
+                                        <p:tgtEl>
+                                          <p:spTgt spid="5">
+                                            <p:txEl>
+                                              <p:pRg st="1" end="1"/>
+                                            </p:txEl>
+                                          </p:spTgt>
+                                        </p:tgtEl>
+                                        <p:attrNameLst>
+                                          <p:attrName>ppt_y</p:attrName>
+                                        </p:attrNameLst>
+                                      </p:cBhvr>
+                                      <p:tavLst>
+                                        <p:tav tm="0">
+                                          <p:val>
+                                            <p:strVal val="1+#ppt_h/2"/>
+                                          </p:val>
+                                        </p:tav>
+                                        <p:tav tm="100000">
+                                          <p:val>
+                                            <p:strVal val="#ppt_y"/>
+                                          </p:val>
+                                        </p:tav>
+                                      </p:tavLst>
+                                    </p:anim>
+                                  </p:childTnLst>
+                                </p:cTn>
+                              </p:par>
+                            </p:childTnLst>
+                          </p:cTn>
+                        </p:par>
+                      </p:childTnLst>
+                    </p:cTn>
+                  </p:par>
+                  <p:par>
+                    <p:cTn id="15" fill="hold">
+                      <p:stCondLst>
+                        <p:cond delay="indefinite"/>
+                      </p:stCondLst>
+                      <p:childTnLst>
+                        <p:par>
+                          <p:cTn id="16" fill="hold">
+                            <p:stCondLst>
+                              <p:cond delay="0"/>
+                            </p:stCondLst>
+                            <p:childTnLst>
+                              <p:par>
+                                <p:cTn id="17" presetID="2" presetClass="entr" presetSubtype="4" fill="hold" nodeType="clickEffect">
+                                  <p:stCondLst>
+                                    <p:cond delay="0"/>
+                                  </p:stCondLst>
+                                  <p:childTnLst>
+                                    <p:set>
+                                      <p:cBhvr>
+                                        <p:cTn id="18" dur="1" fill="hold">
+                                          <p:stCondLst>
+                                            <p:cond delay="0"/>
+                                          </p:stCondLst>
+                                        </p:cTn>
+                                        <p:tgtEl>
+                                          <p:spTgt spid="5">
+                                            <p:txEl>
+                                              <p:pRg st="2" end="2"/>
+                                            </p:txEl>
+                                          </p:spTgt>
+                                        </p:tgtEl>
+                                        <p:attrNameLst>
+                                          <p:attrName>style.visibility</p:attrName>
+                                        </p:attrNameLst>
+                                      </p:cBhvr>
+                                      <p:to>
+                                        <p:strVal val="visible"/>
+                                      </p:to>
+                                    </p:set>
+                                    <p:anim calcmode="lin" valueType="num">
+                                      <p:cBhvr additive="base">
+                                        <p:cTn id="19" dur="500" fill="hold"/>
+                                        <p:tgtEl>
+                                          <p:spTgt spid="5">
+                                            <p:txEl>
+                                              <p:pRg st="2" end="2"/>
+                                            </p:txEl>
+                                          </p:spTgt>
+                                        </p:tgtEl>
+                                        <p:attrNameLst>
+                                          <p:attrName>ppt_x</p:attrName>
+                                        </p:attrNameLst>
+                                      </p:cBhvr>
+                                      <p:tavLst>
+                                        <p:tav tm="0">
+                                          <p:val>
+                                            <p:strVal val="#ppt_x"/>
+                                          </p:val>
+                                        </p:tav>
+                                        <p:tav tm="100000">
+                                          <p:val>
+                                            <p:strVal val="#ppt_x"/>
+                                          </p:val>
+                                        </p:tav>
+                                      </p:tavLst>
+                                    </p:anim>
+                                    <p:anim calcmode="lin" valueType="num">
+                                      <p:cBhvr additive="base">
+                                        <p:cTn id="20" dur="500" fill="hold"/>
+                                        <p:tgtEl>
+                                          <p:spTgt spid="5">
+                                            <p:txEl>
+                                              <p:pRg st="2" end="2"/>
+                                            </p:txEl>
+                                          </p:spTgt>
+                                        </p:tgtEl>
+                                        <p:attrNameLst>
+                                          <p:attrName>ppt_y</p:attrName>
+                                        </p:attrNameLst>
+                                      </p:cBhvr>
+                                      <p:tavLst>
+                                        <p:tav tm="0">
+                                          <p:val>
+                                            <p:strVal val="1+#ppt_h/2"/>
+                                          </p:val>
+                                        </p:tav>
+                                        <p:tav tm="100000">
+                                          <p:val>
+                                            <p:strVal val="#ppt_y"/>
+                                          </p:val>
+                                        </p:tav>
+                                      </p:tavLst>
+                                    </p:anim>
+                                  </p:childTnLst>
+                                </p:cTn>
+                              </p:par>
+                            </p:childTnLst>
+                          </p:cTn>
+                        </p:par>
+                      </p:childTnLst>
+                    </p:cTn>
+                  </p:par>
+                  <p:par>
+                    <p:cTn id="21" fill="hold">
+                      <p:stCondLst>
+                        <p:cond delay="indefinite"/>
+                      </p:stCondLst>
+                      <p:childTnLst>
+                        <p:par>
+                          <p:cTn id="22" fill="hold">
+                            <p:stCondLst>
+                              <p:cond delay="0"/>
+                            </p:stCondLst>
+                            <p:childTnLst>
+                              <p:par>
+                                <p:cTn id="23" presetID="2" presetClass="entr" presetSubtype="4" fill="hold" nodeType="clickEffect">
+                                  <p:stCondLst>
+                                    <p:cond delay="0"/>
+                                  </p:stCondLst>
+                                  <p:childTnLst>
+                                    <p:set>
+                                      <p:cBhvr>
+                                        <p:cTn id="24" dur="1" fill="hold">
+                                          <p:stCondLst>
+                                            <p:cond delay="0"/>
+                                          </p:stCondLst>
+                                        </p:cTn>
+                                        <p:tgtEl>
+                                          <p:spTgt spid="5">
+                                            <p:txEl>
+                                              <p:pRg st="3" end="3"/>
+                                            </p:txEl>
+                                          </p:spTgt>
+                                        </p:tgtEl>
+                                        <p:attrNameLst>
+                                          <p:attrName>style.visibility</p:attrName>
+                                        </p:attrNameLst>
+                                      </p:cBhvr>
+                                      <p:to>
+                                        <p:strVal val="visible"/>
+                                      </p:to>
+                                    </p:set>
+                                    <p:anim calcmode="lin" valueType="num">
+                                      <p:cBhvr additive="base">
+                                        <p:cTn id="25" dur="500" fill="hold"/>
+                                        <p:tgtEl>
+                                          <p:spTgt spid="5">
+                                            <p:txEl>
+                                              <p:pRg st="3" end="3"/>
+                                            </p:txEl>
+                                          </p:spTgt>
+                                        </p:tgtEl>
+                                        <p:attrNameLst>
+                                          <p:attrName>ppt_x</p:attrName>
+                                        </p:attrNameLst>
+                                      </p:cBhvr>
+                                      <p:tavLst>
+                                        <p:tav tm="0">
+                                          <p:val>
+                                            <p:strVal val="#ppt_x"/>
+                                          </p:val>
+                                        </p:tav>
+                                        <p:tav tm="100000">
+                                          <p:val>
+                                            <p:strVal val="#ppt_x"/>
+                                          </p:val>
+                                        </p:tav>
+                                      </p:tavLst>
+                                    </p:anim>
+                                    <p:anim calcmode="lin" valueType="num">
+                                      <p:cBhvr additive="base">
+                                        <p:cTn id="26" dur="500" fill="hold"/>
+                                        <p:tgtEl>
+                                          <p:spTgt spid="5">
+                                            <p:txEl>
+                                              <p:pRg st="3" end="3"/>
+                                            </p:txEl>
+                                          </p:spTgt>
+                                        </p:tgtEl>
+                                        <p:attrNameLst>
+                                          <p:attrName>ppt_y</p:attrName>
+                                        </p:attrNameLst>
+                                      </p:cBhvr>
+                                      <p:tavLst>
+                                        <p:tav tm="0">
+                                          <p:val>
+                                            <p:strVal val="1+#ppt_h/2"/>
+                                          </p:val>
+                                        </p:tav>
+                                        <p:tav tm="100000">
+                                          <p:val>
+                                            <p:strVal val="#ppt_y"/>
+                                          </p:val>
+                                        </p:tav>
+                                      </p:tavLst>
+                                    </p:anim>
+                                  </p:childTnLst>
+                                </p:cTn>
+                              </p:par>
+                            </p:childTnLst>
+                          </p:cTn>
+                        </p:par>
+                      </p:childTnLst>
+                    </p:cTn>
+                  </p:par>
+                  <p:par>
+                    <p:cTn id="27" fill="hold">
+                      <p:stCondLst>
+                        <p:cond delay="indefinite"/>
+                      </p:stCondLst>
+                      <p:childTnLst>
+                        <p:par>
+                          <p:cTn id="28" fill="hold">
+                            <p:stCondLst>
+                              <p:cond delay="0"/>
+                            </p:stCondLst>
+                            <p:childTnLst>
+                              <p:par>
+                                <p:cTn id="29" presetID="2" presetClass="entr" presetSubtype="4" fill="hold" nodeType="clickEffect">
+                                  <p:stCondLst>
+                                    <p:cond delay="0"/>
+                                  </p:stCondLst>
+                                  <p:childTnLst>
+                                    <p:set>
+                                      <p:cBhvr>
+                                        <p:cTn id="30" dur="1" fill="hold">
+                                          <p:stCondLst>
+                                            <p:cond delay="0"/>
+                                          </p:stCondLst>
+                                        </p:cTn>
+                                        <p:tgtEl>
+                                          <p:spTgt spid="5">
+                                            <p:txEl>
+                                              <p:pRg st="4" end="4"/>
+                                            </p:txEl>
+                                          </p:spTgt>
+                                        </p:tgtEl>
+                                        <p:attrNameLst>
+                                          <p:attrName>style.visibility</p:attrName>
+                                        </p:attrNameLst>
+                                      </p:cBhvr>
+                                      <p:to>
+                                        <p:strVal val="visible"/>
+                                      </p:to>
+                                    </p:set>
+                                    <p:anim calcmode="lin" valueType="num">
+                                      <p:cBhvr additive="base">
+                                        <p:cTn id="31" dur="500" fill="hold"/>
+                                        <p:tgtEl>
+                                          <p:spTgt spid="5">
+                                            <p:txEl>
+                                              <p:pRg st="4" end="4"/>
+                                            </p:txEl>
+                                          </p:spTgt>
+                                        </p:tgtEl>
+                                        <p:attrNameLst>
+                                          <p:attrName>ppt_x</p:attrName>
+                                        </p:attrNameLst>
+                                      </p:cBhvr>
+                                      <p:tavLst>
+                                        <p:tav tm="0">
+                                          <p:val>
+                                            <p:strVal val="#ppt_x"/>
+                                          </p:val>
+                                        </p:tav>
+                                        <p:tav tm="100000">
+                                          <p:val>
+                                            <p:strVal val="#ppt_x"/>
+                                          </p:val>
+                                        </p:tav>
+                                      </p:tavLst>
+                                    </p:anim>
+                                    <p:anim calcmode="lin" valueType="num">
+                                      <p:cBhvr additive="base">
+                                        <p:cTn id="32" dur="500" fill="hold"/>
+                                        <p:tgtEl>
+                                          <p:spTgt spid="5">
+                                            <p:txEl>
+                                              <p:pRg st="4" end="4"/>
+                                            </p:txEl>
+                                          </p:spTgt>
+                                        </p:tgtEl>
+                                        <p:attrNameLst>
+                                          <p:attrName>ppt_y</p:attrName>
+                                        </p:attrNameLst>
+                                      </p:cBhvr>
+                                      <p:tavLst>
+                                        <p:tav tm="0">
+                                          <p:val>
+                                            <p:strVal val="1+#ppt_h/2"/>
+                                          </p:val>
+                                        </p:tav>
+                                        <p:tav tm="100000">
+                                          <p:val>
+                                            <p:strVal val="#ppt_y"/>
+                                          </p:val>
+                                        </p:tav>
+                                      </p:tavLst>
+                                    </p:anim>
+                                  </p:childTnLst>
+                                </p:cTn>
+                              </p:par>
+                            </p:childTnLst>
+                          </p:cTn>
+                        </p:par>
+                      </p:childTnLst>
+                    </p:cTn>
+                  </p:par>
+                  <p:par>
+                    <p:cTn id="33" fill="hold">
+                      <p:stCondLst>
+                        <p:cond delay="indefinite"/>
+                      </p:stCondLst>
+                      <p:childTnLst>
+                        <p:par>
+                          <p:cTn id="34" fill="hold">
+                            <p:stCondLst>
+                              <p:cond delay="0"/>
+                            </p:stCondLst>
+                            <p:childTnLst>
+                              <p:par>
+                                <p:cTn id="35" presetID="2" presetClass="entr" presetSubtype="4" fill="hold" nodeType="clickEffect">
+                                  <p:stCondLst>
+                                    <p:cond delay="0"/>
+                                  </p:stCondLst>
+                                  <p:childTnLst>
+                                    <p:set>
+                                      <p:cBhvr>
+                                        <p:cTn id="36" dur="1" fill="hold">
+                                          <p:stCondLst>
+                                            <p:cond delay="0"/>
+                                          </p:stCondLst>
+                                        </p:cTn>
+                                        <p:tgtEl>
+                                          <p:spTgt spid="5">
+                                            <p:txEl>
+                                              <p:pRg st="5" end="5"/>
+                                            </p:txEl>
+                                          </p:spTgt>
+                                        </p:tgtEl>
+                                        <p:attrNameLst>
+                                          <p:attrName>style.visibility</p:attrName>
+                                        </p:attrNameLst>
+                                      </p:cBhvr>
+                                      <p:to>
+                                        <p:strVal val="visible"/>
+                                      </p:to>
+                                    </p:set>
+                                    <p:anim calcmode="lin" valueType="num">
+                                      <p:cBhvr additive="base">
+                                        <p:cTn id="37" dur="500" fill="hold"/>
+                                        <p:tgtEl>
+                                          <p:spTgt spid="5">
+                                            <p:txEl>
+                                              <p:pRg st="5" end="5"/>
+                                            </p:txEl>
+                                          </p:spTgt>
+                                        </p:tgtEl>
+                                        <p:attrNameLst>
+                                          <p:attrName>ppt_x</p:attrName>
+                                        </p:attrNameLst>
+                                      </p:cBhvr>
+                                      <p:tavLst>
+                                        <p:tav tm="0">
+                                          <p:val>
+                                            <p:strVal val="#ppt_x"/>
+                                          </p:val>
+                                        </p:tav>
+                                        <p:tav tm="100000">
+                                          <p:val>
+                                            <p:strVal val="#ppt_x"/>
+                                          </p:val>
+                                        </p:tav>
+                                      </p:tavLst>
+                                    </p:anim>
+                                    <p:anim calcmode="lin" valueType="num">
+                                      <p:cBhvr additive="base">
+                                        <p:cTn id="38" dur="500" fill="hold"/>
+                                        <p:tgtEl>
+                                          <p:spTgt spid="5">
+                                            <p:txEl>
+                                              <p:pRg st="5" end="5"/>
+                                            </p:txEl>
+                                          </p:spTgt>
+                                        </p:tgtEl>
+                                        <p:attrNameLst>
+                                          <p:attrName>ppt_y</p:attrName>
+                                        </p:attrNameLst>
+                                      </p:cBhvr>
+                                      <p:tavLst>
+                                        <p:tav tm="0">
+                                          <p:val>
+                                            <p:strVal val="1+#ppt_h/2"/>
+                                          </p:val>
+                                        </p:tav>
+                                        <p:tav tm="100000">
+                                          <p:val>
+                                            <p:strVal val="#ppt_y"/>
+                                          </p:val>
+                                        </p:tav>
+                                      </p:tavLst>
+                                    </p:anim>
+                                  </p:childTnLst>
+                                </p:cTn>
+                              </p:par>
+                            </p:childTnLst>
+                          </p:cTn>
+                        </p:par>
+                      </p:childTnLst>
+                    </p:cTn>
+                  </p:par>
+                  <p:par>
+                    <p:cTn id="39" fill="hold">
+                      <p:stCondLst>
+                        <p:cond delay="indefinite"/>
+                      </p:stCondLst>
+                      <p:childTnLst>
+                        <p:par>
+                          <p:cTn id="40" fill="hold">
+                            <p:stCondLst>
+                              <p:cond delay="0"/>
+                            </p:stCondLst>
+                            <p:childTnLst>
+                              <p:par>
+                                <p:cTn id="41" presetID="2" presetClass="entr" presetSubtype="4" fill="hold" nodeType="clickEffect">
+                                  <p:stCondLst>
+                                    <p:cond delay="0"/>
+                                  </p:stCondLst>
+                                  <p:childTnLst>
+                                    <p:set>
+                                      <p:cBhvr>
+                                        <p:cTn id="42" dur="1" fill="hold">
+                                          <p:stCondLst>
+                                            <p:cond delay="0"/>
+                                          </p:stCondLst>
+                                        </p:cTn>
+                                        <p:tgtEl>
+                                          <p:spTgt spid="5">
+                                            <p:txEl>
+                                              <p:pRg st="6" end="6"/>
+                                            </p:txEl>
+                                          </p:spTgt>
+                                        </p:tgtEl>
+                                        <p:attrNameLst>
+                                          <p:attrName>style.visibility</p:attrName>
+                                        </p:attrNameLst>
+                                      </p:cBhvr>
+                                      <p:to>
+                                        <p:strVal val="visible"/>
+                                      </p:to>
+                                    </p:set>
+                                    <p:anim calcmode="lin" valueType="num">
+                                      <p:cBhvr additive="base">
+                                        <p:cTn id="43" dur="500" fill="hold"/>
+                                        <p:tgtEl>
+                                          <p:spTgt spid="5">
+                                            <p:txEl>
+                                              <p:pRg st="6" end="6"/>
+                                            </p:txEl>
+                                          </p:spTgt>
+                                        </p:tgtEl>
+                                        <p:attrNameLst>
+                                          <p:attrName>ppt_x</p:attrName>
+                                        </p:attrNameLst>
+                                      </p:cBhvr>
+                                      <p:tavLst>
+                                        <p:tav tm="0">
+                                          <p:val>
+                                            <p:strVal val="#ppt_x"/>
+                                          </p:val>
+                                        </p:tav>
+                                        <p:tav tm="100000">
+                                          <p:val>
+                                            <p:strVal val="#ppt_x"/>
+                                          </p:val>
+                                        </p:tav>
+                                      </p:tavLst>
+                                    </p:anim>
+                                    <p:anim calcmode="lin" valueType="num">
+                                      <p:cBhvr additive="base">
+                                        <p:cTn id="44" dur="500" fill="hold"/>
+                                        <p:tgtEl>
+                                          <p:spTgt spid="5">
+                                            <p:txEl>
+                                              <p:pRg st="6" end="6"/>
+                                            </p:txEl>
+                                          </p:spTgt>
+                                        </p:tgtEl>
+                                        <p:attrNameLst>
+                                          <p:attrName>ppt_y</p:attrName>
+                                        </p:attrNameLst>
+                                      </p:cBhvr>
+                                      <p:tavLst>
+                                        <p:tav tm="0">
+                                          <p:val>
+                                            <p:strVal val="1+#ppt_h/2"/>
+                                          </p:val>
+                                        </p:tav>
+                                        <p:tav tm="100000">
+                                          <p:val>
+                                            <p:strVal val="#ppt_y"/>
+                                          </p:val>
+                                        </p:tav>
+                                      </p:tavLst>
+                                    </p:anim>
+                                  </p:childTnLst>
+                                </p:cTn>
+                              </p:par>
+                            </p:childTnLst>
+                          </p:cTn>
+                        </p:par>
+                      </p:childTnLst>
+                    </p:cTn>
+                  </p:par>
+                  <p:par>
+                    <p:cTn id="45" fill="hold">
+                      <p:stCondLst>
+                        <p:cond delay="indefinite"/>
+                      </p:stCondLst>
+                      <p:childTnLst>
+                        <p:par>
+                          <p:cTn id="46" fill="hold">
+                            <p:stCondLst>
+                              <p:cond delay="0"/>
+                            </p:stCondLst>
+                            <p:childTnLst>
+                              <p:par>
+                                <p:cTn id="47" presetID="2" presetClass="entr" presetSubtype="4" fill="hold" nodeType="clickEffect">
+                                  <p:stCondLst>
+                                    <p:cond delay="0"/>
+                                  </p:stCondLst>
+                                  <p:childTnLst>
+                                    <p:set>
+                                      <p:cBhvr>
+                                        <p:cTn id="48" dur="1" fill="hold">
+                                          <p:stCondLst>
+                                            <p:cond delay="0"/>
+                                          </p:stCondLst>
+                                        </p:cTn>
+                                        <p:tgtEl>
+                                          <p:spTgt spid="5">
+                                            <p:txEl>
+                                              <p:pRg st="7" end="7"/>
+                                            </p:txEl>
+                                          </p:spTgt>
+                                        </p:tgtEl>
+                                        <p:attrNameLst>
+                                          <p:attrName>style.visibility</p:attrName>
+                                        </p:attrNameLst>
+                                      </p:cBhvr>
+                                      <p:to>
+                                        <p:strVal val="visible"/>
+                                      </p:to>
+                                    </p:set>
+                                    <p:anim calcmode="lin" valueType="num">
+                                      <p:cBhvr additive="base">
+                                        <p:cTn id="49" dur="500" fill="hold"/>
+                                        <p:tgtEl>
+                                          <p:spTgt spid="5">
+                                            <p:txEl>
+                                              <p:pRg st="7" end="7"/>
+                                            </p:txEl>
+                                          </p:spTgt>
+                                        </p:tgtEl>
+                                        <p:attrNameLst>
+                                          <p:attrName>ppt_x</p:attrName>
+                                        </p:attrNameLst>
+                                      </p:cBhvr>
+                                      <p:tavLst>
+                                        <p:tav tm="0">
+                                          <p:val>
+                                            <p:strVal val="#ppt_x"/>
+                                          </p:val>
+                                        </p:tav>
+                                        <p:tav tm="100000">
+                                          <p:val>
+                                            <p:strVal val="#ppt_x"/>
+                                          </p:val>
+                                        </p:tav>
+                                      </p:tavLst>
+                                    </p:anim>
+                                    <p:anim calcmode="lin" valueType="num">
+                                      <p:cBhvr additive="base">
+                                        <p:cTn id="50" dur="500" fill="hold"/>
+                                        <p:tgtEl>
+                                          <p:spTgt spid="5">
+                                            <p:txEl>
+                                              <p:pRg st="7" end="7"/>
+                                            </p:txEl>
+                                          </p:spTgt>
+                                        </p:tgtEl>
+                                        <p:attrNameLst>
+                                          <p:attrName>ppt_y</p:attrName>
+                                        </p:attrNameLst>
+                                      </p:cBhvr>
+                                      <p:tavLst>
+                                        <p:tav tm="0">
+                                          <p:val>
+                                            <p:strVal val="1+#ppt_h/2"/>
+                                          </p:val>
+                                        </p:tav>
+                                        <p:tav tm="100000">
+                                          <p:val>
+                                            <p:strVal val="#ppt_y"/>
+                                          </p:val>
+                                        </p:tav>
+                                      </p:tavLst>
+                                    </p:anim>
+                                  </p:childTnLst>
+                                </p:cTn>
+                              </p:par>
+                            </p:childTnLst>
+                          </p:cTn>
+                        </p:par>
+                      </p:childTnLst>
+                    </p:cTn>
+                  </p:par>
+                  <p:par>
+                    <p:cTn id="51" fill="hold">
+                      <p:stCondLst>
+                        <p:cond delay="indefinite"/>
+                      </p:stCondLst>
+                      <p:childTnLst>
+                        <p:par>
+                          <p:cTn id="52" fill="hold">
+                            <p:stCondLst>
+                              <p:cond delay="0"/>
+                            </p:stCondLst>
+                            <p:childTnLst>
+                              <p:par>
+                                <p:cTn id="53" presetID="2" presetClass="entr" presetSubtype="4" fill="hold" nodeType="clickEffect">
+                                  <p:stCondLst>
+                                    <p:cond delay="0"/>
+                                  </p:stCondLst>
+                                  <p:childTnLst>
+                                    <p:set>
+                                      <p:cBhvr>
+                                        <p:cTn id="54" dur="1" fill="hold">
+                                          <p:stCondLst>
+                                            <p:cond delay="0"/>
+                                          </p:stCondLst>
+                                        </p:cTn>
+                                        <p:tgtEl>
+                                          <p:spTgt spid="5">
+                                            <p:txEl>
+                                              <p:pRg st="8" end="8"/>
+                                            </p:txEl>
+                                          </p:spTgt>
+                                        </p:tgtEl>
+                                        <p:attrNameLst>
+                                          <p:attrName>style.visibility</p:attrName>
+                                        </p:attrNameLst>
+                                      </p:cBhvr>
+                                      <p:to>
+                                        <p:strVal val="visible"/>
+                                      </p:to>
+                                    </p:set>
+                                    <p:anim calcmode="lin" valueType="num">
+                                      <p:cBhvr additive="base">
+                                        <p:cTn id="55" dur="500" fill="hold"/>
+                                        <p:tgtEl>
+                                          <p:spTgt spid="5">
+                                            <p:txEl>
+                                              <p:pRg st="8" end="8"/>
+                                            </p:txEl>
+                                          </p:spTgt>
+                                        </p:tgtEl>
+                                        <p:attrNameLst>
+                                          <p:attrName>ppt_x</p:attrName>
+                                        </p:attrNameLst>
+                                      </p:cBhvr>
+                                      <p:tavLst>
+                                        <p:tav tm="0">
+                                          <p:val>
+                                            <p:strVal val="#ppt_x"/>
+                                          </p:val>
+                                        </p:tav>
+                                        <p:tav tm="100000">
+                                          <p:val>
+                                            <p:strVal val="#ppt_x"/>
+                                          </p:val>
+                                        </p:tav>
+                                      </p:tavLst>
+                                    </p:anim>
+                                    <p:anim calcmode="lin" valueType="num">
+                                      <p:cBhvr additive="base">
+                                        <p:cTn id="56" dur="500" fill="hold"/>
+                                        <p:tgtEl>
+                                          <p:spTgt spid="5">
+                                            <p:txEl>
+                                              <p:pRg st="8" end="8"/>
+                                            </p:txEl>
+                                          </p:spTgt>
+                                        </p:tgtEl>
+                                        <p:attrNameLst>
+                                          <p:attrName>ppt_y</p:attrName>
+                                        </p:attrNameLst>
+                                      </p:cBhvr>
+                                      <p:tavLst>
+                                        <p:tav tm="0">
+                                          <p:val>
+                                            <p:strVal val="1+#ppt_h/2"/>
+                                          </p:val>
+                                        </p:tav>
+                                        <p:tav tm="100000">
+                                          <p:val>
+                                            <p:strVal val="#ppt_y"/>
+                                          </p:val>
+                                        </p:tav>
+                                      </p:tavLst>
+                                    </p:anim>
+                                  </p:childTnLst>
+                                </p:cTn>
+                              </p:par>
+                            </p:childTnLst>
+                          </p:cTn>
+                        </p:par>
+                      </p:childTnLst>
+                    </p:cTn>
+                  </p:par>
+                  <p:par>
+                    <p:cTn id="57" fill="hold">
+                      <p:stCondLst>
+                        <p:cond delay="indefinite"/>
+                      </p:stCondLst>
+                      <p:childTnLst>
+                        <p:par>
+                          <p:cTn id="58" fill="hold">
+                            <p:stCondLst>
+                              <p:cond delay="0"/>
+                            </p:stCondLst>
+                            <p:childTnLst>
+                              <p:par>
+                                <p:cTn id="59" presetID="2" presetClass="entr" presetSubtype="4" fill="hold" nodeType="clickEffect">
+                                  <p:stCondLst>
+                                    <p:cond delay="0"/>
+                                  </p:stCondLst>
+                                  <p:childTnLst>
+                                    <p:set>
+                                      <p:cBhvr>
+                                        <p:cTn id="60" dur="1" fill="hold">
+                                          <p:stCondLst>
+                                            <p:cond delay="0"/>
+                                          </p:stCondLst>
+                                        </p:cTn>
+                                        <p:tgtEl>
+                                          <p:spTgt spid="5">
+                                            <p:txEl>
+                                              <p:pRg st="9" end="9"/>
+                                            </p:txEl>
+                                          </p:spTgt>
+                                        </p:tgtEl>
+                                        <p:attrNameLst>
+                                          <p:attrName>style.visibility</p:attrName>
+                                        </p:attrNameLst>
+                                      </p:cBhvr>
+                                      <p:to>
+                                        <p:strVal val="visible"/>
+                                      </p:to>
+                                    </p:set>
+                                    <p:anim calcmode="lin" valueType="num">
+                                      <p:cBhvr additive="base">
+                                        <p:cTn id="61" dur="500" fill="hold"/>
+                                        <p:tgtEl>
+                                          <p:spTgt spid="5">
+                                            <p:txEl>
+                                              <p:pRg st="9" end="9"/>
+                                            </p:txEl>
+                                          </p:spTgt>
+                                        </p:tgtEl>
+                                        <p:attrNameLst>
+                                          <p:attrName>ppt_x</p:attrName>
+                                        </p:attrNameLst>
+                                      </p:cBhvr>
+                                      <p:tavLst>
+                                        <p:tav tm="0">
+                                          <p:val>
+                                            <p:strVal val="#ppt_x"/>
+                                          </p:val>
+                                        </p:tav>
+                                        <p:tav tm="100000">
+                                          <p:val>
+                                            <p:strVal val="#ppt_x"/>
+                                          </p:val>
+                                        </p:tav>
+                                      </p:tavLst>
+                                    </p:anim>
+                                    <p:anim calcmode="lin" valueType="num">
+                                      <p:cBhvr additive="base">
+                                        <p:cTn id="62" dur="500" fill="hold"/>
+                                        <p:tgtEl>
+                                          <p:spTgt spid="5">
+                                            <p:txEl>
+                                              <p:pRg st="9" end="9"/>
+                                            </p:txEl>
+                                          </p:spTgt>
+                                        </p:tgtEl>
+                                        <p:attrNameLst>
+                                          <p:attrName>ppt_y</p:attrName>
+                                        </p:attrNameLst>
+                                      </p:cBhvr>
+                                      <p:tavLst>
+                                        <p:tav tm="0">
+                                          <p:val>
+                                            <p:strVal val="1+#ppt_h/2"/>
+                                          </p:val>
+                                        </p:tav>
+                                        <p:tav tm="100000">
+                                          <p:val>
+                                            <p:strVal val="#ppt_y"/>
+                                          </p:val>
+                                        </p:tav>
+                                      </p:tavLst>
+                                    </p:anim>
+                                  </p:childTnLst>
+                                </p:cTn>
+                              </p:par>
+                            </p:childTnLst>
+                          </p:cTn>
+                        </p:par>
+                      </p:childTnLst>
+                    </p:cTn>
+                  </p:par>
+                </p:childTnLst>
+              </p:cTn>
+              <p:prevCondLst>
+                <p:cond evt="onPrev" delay="0">
+                  <p:tgtEl>
+                    <p:sldTgt/>
+                  </p:tgtEl>
+                </p:cond>
+              </p:prevCondLst>
+              <p:nextCondLst>
+                <p:cond evt="onNext" delay="0">
+                  <p:tgtEl>
+                    <p:sldTgt/>
+                  </p:tgtEl>
+                </p:cond>
+              </p:nextCondLst>
+            </p:seq>
+          </p:childTnLst>
+        </p:cTn>
+      </p:par>
+    </p:tnLst>
+  </p:timing>
 </p:sld>
 </file>
 
@@ -7983,8 +9054,8 @@
       <p:bgPr>
         <a:solidFill>
           <a:schemeClr val="accent1">
-            <a:lumMod val="20000"/>
-            <a:lumOff val="80000"/>
+            <a:lumMod val="60000"/>
+            <a:lumOff val="40000"/>
           </a:schemeClr>
         </a:solidFill>
         <a:effectLst/>
@@ -8110,7 +9181,7 @@
         </p:blipFill>
         <p:spPr>
           <a:xfrm>
-            <a:off x="5395757" y="444135"/>
+            <a:off x="5283614" y="444135"/>
             <a:ext cx="5185954" cy="5969546"/>
           </a:xfrm>
           <a:prstGeom prst="rect">
@@ -8133,14 +9204,48 @@
         </p:blipFill>
         <p:spPr>
           <a:xfrm>
-            <a:off x="664271" y="2289923"/>
-            <a:ext cx="4155924" cy="4123758"/>
+            <a:off x="664271" y="2511105"/>
+            <a:ext cx="4804876" cy="3902576"/>
           </a:xfrm>
           <a:prstGeom prst="rect">
             <a:avLst/>
           </a:prstGeom>
         </p:spPr>
       </p:pic>
+      <p:sp>
+        <p:nvSpPr>
+          <p:cNvPr id="3" name="Téglalap 2"/>
+          <p:cNvSpPr/>
+          <p:nvPr/>
+        </p:nvSpPr>
+        <p:spPr>
+          <a:xfrm>
+            <a:off x="664271" y="1924273"/>
+            <a:ext cx="6096000" cy="477054"/>
+          </a:xfrm>
+          <a:prstGeom prst="rect">
+            <a:avLst/>
+          </a:prstGeom>
+        </p:spPr>
+        <p:txBody>
+          <a:bodyPr>
+            <a:spAutoFit/>
+          </a:bodyPr>
+          <a:lstStyle/>
+          <a:p>
+            <a:r>
+              <a:rPr lang="hu-HU" sz="900" dirty="0"/>
+              <a:t>Hivatkozás: </a:t>
+            </a:r>
+          </a:p>
+          <a:p>
+            <a:r>
+              <a:rPr lang="hu-HU" sz="1600" b="1" dirty="0"/>
+              <a:t>https://github.com/ksj-123/conduit</a:t>
+            </a:r>
+          </a:p>
+        </p:txBody>
+      </p:sp>
     </p:spTree>
     <p:extLst>
       <p:ext uri="{BB962C8B-B14F-4D97-AF65-F5344CB8AC3E}">
@@ -8151,6 +9256,13 @@
   <p:clrMapOvr>
     <a:masterClrMapping/>
   </p:clrMapOvr>
+  <p:timing>
+    <p:tnLst>
+      <p:par>
+        <p:cTn id="1" dur="indefinite" restart="never" nodeType="tmRoot"/>
+      </p:par>
+    </p:tnLst>
+  </p:timing>
 </p:sld>
 </file>
 
@@ -8161,8 +9273,8 @@
       <p:bgPr>
         <a:solidFill>
           <a:schemeClr val="accent1">
-            <a:lumMod val="20000"/>
-            <a:lumOff val="80000"/>
+            <a:lumMod val="60000"/>
+            <a:lumOff val="40000"/>
           </a:schemeClr>
         </a:solidFill>
         <a:effectLst/>
@@ -8270,9 +9382,7 @@
             <a:r>
               <a:rPr lang="hu-HU" dirty="0" smtClean="0">
                 <a:solidFill>
-                  <a:schemeClr val="accent1">
-                    <a:lumMod val="75000"/>
-                  </a:schemeClr>
+                  <a:schemeClr val="tx1"/>
                 </a:solidFill>
               </a:rPr>
               <a:t>Hivatkozás: </a:t>
@@ -8282,20 +9392,11 @@
             <a:r>
               <a:rPr lang="hu-HU" sz="2600" b="1" dirty="0">
                 <a:solidFill>
-                  <a:schemeClr val="accent1">
-                    <a:lumMod val="75000"/>
-                  </a:schemeClr>
+                  <a:schemeClr val="tx1"/>
                 </a:solidFill>
               </a:rPr>
               <a:t>https://ksj-123.github.io/conduit/</a:t>
             </a:r>
-            <a:endParaRPr lang="hu-HU" sz="2600" b="1" dirty="0">
-              <a:solidFill>
-                <a:schemeClr val="accent1">
-                  <a:lumMod val="75000"/>
-                </a:schemeClr>
-              </a:solidFill>
-            </a:endParaRPr>
           </a:p>
         </p:txBody>
       </p:sp>
@@ -8332,6 +9433,13 @@
   <p:clrMapOvr>
     <a:masterClrMapping/>
   </p:clrMapOvr>
+  <p:timing>
+    <p:tnLst>
+      <p:par>
+        <p:cTn id="1" dur="indefinite" restart="never" nodeType="tmRoot"/>
+      </p:par>
+    </p:tnLst>
+  </p:timing>
 </p:sld>
 </file>
 
@@ -8342,8 +9450,8 @@
       <p:bgPr>
         <a:solidFill>
           <a:schemeClr val="accent1">
-            <a:lumMod val="20000"/>
-            <a:lumOff val="80000"/>
+            <a:lumMod val="60000"/>
+            <a:lumOff val="40000"/>
           </a:schemeClr>
         </a:solidFill>
         <a:effectLst/>
@@ -8389,18 +9497,14 @@
             <a:r>
               <a:rPr lang="hu-HU" sz="5500" dirty="0" smtClean="0">
                 <a:solidFill>
-                  <a:schemeClr val="accent1">
-                    <a:lumMod val="75000"/>
-                  </a:schemeClr>
+                  <a:schemeClr val="tx1"/>
                 </a:solidFill>
               </a:rPr>
               <a:t>Köszönöm a figyelmet!</a:t>
             </a:r>
             <a:endParaRPr lang="hu-HU" sz="5500" dirty="0">
               <a:solidFill>
-                <a:schemeClr val="accent1">
-                  <a:lumMod val="75000"/>
-                </a:schemeClr>
+                <a:schemeClr val="tx1"/>
               </a:solidFill>
             </a:endParaRPr>
           </a:p>
@@ -8430,10 +9534,18 @@
           <a:p>
             <a:pPr algn="ctr"/>
             <a:r>
-              <a:rPr lang="hu-HU" sz="4500" dirty="0" smtClean="0"/>
+              <a:rPr lang="hu-HU" sz="4500" dirty="0" smtClean="0">
+                <a:solidFill>
+                  <a:schemeClr val="tx1"/>
+                </a:solidFill>
+              </a:rPr>
               <a:t>Viszont látásra!</a:t>
             </a:r>
-            <a:endParaRPr lang="hu-HU" sz="4500" dirty="0"/>
+            <a:endParaRPr lang="hu-HU" sz="4500" dirty="0">
+              <a:solidFill>
+                <a:schemeClr val="tx1"/>
+              </a:solidFill>
+            </a:endParaRPr>
           </a:p>
         </p:txBody>
       </p:sp>
@@ -8447,6 +9559,13 @@
   <p:clrMapOvr>
     <a:masterClrMapping/>
   </p:clrMapOvr>
+  <p:timing>
+    <p:tnLst>
+      <p:par>
+        <p:cTn id="1" dur="indefinite" restart="never" nodeType="tmRoot"/>
+      </p:par>
+    </p:tnLst>
+  </p:timing>
 </p:sld>
 </file>
 
